--- a/程序设计综合实践9.3.pptx
+++ b/程序设计综合实践9.3.pptx
@@ -119,6 +119,11 @@
       </a:defRPr>
     </a:lvl9pPr>
   </p:defaultTextStyle>
+  <p:extLst>
+    <p:ext uri="{EFAFB233-063F-42B5-8137-9DF3F51BA10A}">
+      <p15:sldGuideLst xmlns:p15="http://schemas.microsoft.com/office/powerpoint/2012/main"/>
+    </p:ext>
+  </p:extLst>
 </p:presentation>
 </file>
 
@@ -4454,7 +4459,7 @@
                 </a:solidFill>
                 <a:ea typeface="微软雅黑" pitchFamily="34" charset="-122"/>
               </a:rPr>
-              <a:t>APP</a:t>
+              <a:t>WEB</a:t>
             </a:r>
             <a:r>
               <a:rPr lang="zh-CN" altLang="en-US" sz="3733" dirty="0">
@@ -4727,13 +4732,13 @@
   <p:clrMapOvr>
     <a:masterClrMapping/>
   </p:clrMapOvr>
-  <mc:AlternateContent xmlns:mc="http://schemas.openxmlformats.org/markup-compatibility/2006">
-    <mc:Choice xmlns:p159="http://schemas.microsoft.com/office/powerpoint/2015/09/main" Requires="p159">
+  <mc:AlternateContent xmlns:mc="http://schemas.openxmlformats.org/markup-compatibility/2006" xmlns:p159="http://schemas.microsoft.com/office/powerpoint/2015/09/main">
+    <mc:Choice Requires="p159">
       <p:transition xmlns:p14="http://schemas.microsoft.com/office/powerpoint/2010/main" spd="slow" p14:dur="2000">
         <p159:morph option="byObject"/>
       </p:transition>
     </mc:Choice>
-    <mc:Fallback>
+    <mc:Fallback xmlns="">
       <p:transition spd="slow">
         <p:fade/>
       </p:transition>
@@ -4855,13 +4860,13 @@
   <p:clrMapOvr>
     <a:masterClrMapping/>
   </p:clrMapOvr>
-  <mc:AlternateContent xmlns:mc="http://schemas.openxmlformats.org/markup-compatibility/2006">
-    <mc:Choice xmlns:p159="http://schemas.microsoft.com/office/powerpoint/2015/09/main" Requires="p159">
+  <mc:AlternateContent xmlns:mc="http://schemas.openxmlformats.org/markup-compatibility/2006" xmlns:p159="http://schemas.microsoft.com/office/powerpoint/2015/09/main">
+    <mc:Choice Requires="p159">
       <p:transition xmlns:p14="http://schemas.microsoft.com/office/powerpoint/2010/main" spd="slow" p14:dur="2000">
         <p159:morph option="byObject"/>
       </p:transition>
     </mc:Choice>
-    <mc:Fallback>
+    <mc:Fallback xmlns="">
       <p:transition spd="slow">
         <p:fade/>
       </p:transition>
@@ -5497,7 +5502,7 @@
         <p:spPr>
           <a:xfrm>
             <a:off x="2600630" y="4160244"/>
-            <a:ext cx="5247965" cy="523220"/>
+            <a:ext cx="5282739" cy="523220"/>
           </a:xfrm>
           <a:prstGeom prst="rect">
             <a:avLst/>
@@ -5522,7 +5527,7 @@
                 <a:latin typeface="微软雅黑" panose="020B0503020204020204" pitchFamily="34" charset="-122"/>
                 <a:ea typeface="微软雅黑" panose="020B0503020204020204" pitchFamily="34" charset="-122"/>
               </a:rPr>
-              <a:t>APP</a:t>
+              <a:t>WEB</a:t>
             </a:r>
             <a:r>
               <a:rPr lang="zh-CN" altLang="en-US" sz="2800" b="1" dirty="0">
@@ -6337,13 +6342,13 @@
   <p:clrMapOvr>
     <a:masterClrMapping/>
   </p:clrMapOvr>
-  <mc:AlternateContent xmlns:mc="http://schemas.openxmlformats.org/markup-compatibility/2006">
-    <mc:Choice xmlns:p159="http://schemas.microsoft.com/office/powerpoint/2015/09/main" Requires="p159">
+  <mc:AlternateContent xmlns:mc="http://schemas.openxmlformats.org/markup-compatibility/2006" xmlns:p159="http://schemas.microsoft.com/office/powerpoint/2015/09/main">
+    <mc:Choice Requires="p159">
       <p:transition xmlns:p14="http://schemas.microsoft.com/office/powerpoint/2010/main" spd="slow" p14:dur="2000">
         <p159:morph option="byObject"/>
       </p:transition>
     </mc:Choice>
-    <mc:Fallback>
+    <mc:Fallback xmlns="">
       <p:transition spd="slow">
         <p:fade/>
       </p:transition>
@@ -6825,13 +6830,13 @@
   <p:clrMapOvr>
     <a:masterClrMapping/>
   </p:clrMapOvr>
-  <mc:AlternateContent xmlns:mc="http://schemas.openxmlformats.org/markup-compatibility/2006">
-    <mc:Choice xmlns:p159="http://schemas.microsoft.com/office/powerpoint/2015/09/main" Requires="p159">
+  <mc:AlternateContent xmlns:mc="http://schemas.openxmlformats.org/markup-compatibility/2006" xmlns:p159="http://schemas.microsoft.com/office/powerpoint/2015/09/main">
+    <mc:Choice Requires="p159">
       <p:transition xmlns:p14="http://schemas.microsoft.com/office/powerpoint/2010/main" spd="slow" p14:dur="2000">
         <p159:morph option="byObject"/>
       </p:transition>
     </mc:Choice>
-    <mc:Fallback>
+    <mc:Fallback xmlns="">
       <p:transition spd="slow">
         <p:fade/>
       </p:transition>
@@ -7594,13 +7599,13 @@
   <p:clrMapOvr>
     <a:masterClrMapping/>
   </p:clrMapOvr>
-  <mc:AlternateContent xmlns:mc="http://schemas.openxmlformats.org/markup-compatibility/2006">
-    <mc:Choice xmlns:p159="http://schemas.microsoft.com/office/powerpoint/2015/09/main" Requires="p159">
+  <mc:AlternateContent xmlns:mc="http://schemas.openxmlformats.org/markup-compatibility/2006" xmlns:p159="http://schemas.microsoft.com/office/powerpoint/2015/09/main">
+    <mc:Choice Requires="p159">
       <p:transition xmlns:p14="http://schemas.microsoft.com/office/powerpoint/2010/main" spd="slow" p14:dur="2000">
         <p159:morph option="byObject"/>
       </p:transition>
     </mc:Choice>
-    <mc:Fallback>
+    <mc:Fallback xmlns="">
       <p:transition spd="slow">
         <p:fade/>
       </p:transition>
@@ -8396,13 +8401,13 @@
   <p:clrMapOvr>
     <a:masterClrMapping/>
   </p:clrMapOvr>
-  <mc:AlternateContent xmlns:mc="http://schemas.openxmlformats.org/markup-compatibility/2006">
-    <mc:Choice xmlns:p159="http://schemas.microsoft.com/office/powerpoint/2015/09/main" Requires="p159">
+  <mc:AlternateContent xmlns:mc="http://schemas.openxmlformats.org/markup-compatibility/2006" xmlns:p159="http://schemas.microsoft.com/office/powerpoint/2015/09/main">
+    <mc:Choice Requires="p159">
       <p:transition xmlns:p14="http://schemas.microsoft.com/office/powerpoint/2010/main" spd="slow" p14:dur="2000">
         <p159:morph option="byObject"/>
       </p:transition>
     </mc:Choice>
-    <mc:Fallback>
+    <mc:Fallback xmlns="">
       <p:transition spd="slow">
         <p:fade/>
       </p:transition>
@@ -8678,13 +8683,13 @@
   <p:clrMapOvr>
     <a:masterClrMapping/>
   </p:clrMapOvr>
-  <mc:AlternateContent xmlns:mc="http://schemas.openxmlformats.org/markup-compatibility/2006">
-    <mc:Choice xmlns:p159="http://schemas.microsoft.com/office/powerpoint/2015/09/main" Requires="p159">
+  <mc:AlternateContent xmlns:mc="http://schemas.openxmlformats.org/markup-compatibility/2006" xmlns:p159="http://schemas.microsoft.com/office/powerpoint/2015/09/main">
+    <mc:Choice Requires="p159">
       <p:transition xmlns:p14="http://schemas.microsoft.com/office/powerpoint/2010/main" spd="slow" p14:dur="2000">
         <p159:morph option="byObject"/>
       </p:transition>
     </mc:Choice>
-    <mc:Fallback>
+    <mc:Fallback xmlns="">
       <p:transition spd="slow">
         <p:fade/>
       </p:transition>
@@ -9020,13 +9025,13 @@
   <p:clrMapOvr>
     <a:masterClrMapping/>
   </p:clrMapOvr>
-  <mc:AlternateContent xmlns:mc="http://schemas.openxmlformats.org/markup-compatibility/2006">
-    <mc:Choice xmlns:p159="http://schemas.microsoft.com/office/powerpoint/2015/09/main" Requires="p159">
+  <mc:AlternateContent xmlns:mc="http://schemas.openxmlformats.org/markup-compatibility/2006" xmlns:p159="http://schemas.microsoft.com/office/powerpoint/2015/09/main">
+    <mc:Choice Requires="p159">
       <p:transition xmlns:p14="http://schemas.microsoft.com/office/powerpoint/2010/main" spd="slow" p14:dur="2000">
         <p159:morph option="byObject"/>
       </p:transition>
     </mc:Choice>
-    <mc:Fallback>
+    <mc:Fallback xmlns="">
       <p:transition spd="slow">
         <p:fade/>
       </p:transition>
@@ -9525,7 +9530,7 @@
         </p:nvSpPr>
         <p:spPr>
           <a:xfrm rot="19493436">
-            <a:off x="1825104" y="4238634"/>
+            <a:off x="2333625" y="4141504"/>
             <a:ext cx="1257300" cy="369332"/>
           </a:xfrm>
           <a:prstGeom prst="rect">
@@ -9580,7 +9585,7 @@
         </p:nvSpPr>
         <p:spPr>
           <a:xfrm rot="19493436">
-            <a:off x="1939138" y="4821697"/>
+            <a:off x="2249378" y="4870239"/>
             <a:ext cx="1296346" cy="400110"/>
           </a:xfrm>
           <a:prstGeom prst="rect">
@@ -9851,13 +9856,13 @@
   <p:clrMapOvr>
     <a:masterClrMapping/>
   </p:clrMapOvr>
-  <mc:AlternateContent xmlns:mc="http://schemas.openxmlformats.org/markup-compatibility/2006">
-    <mc:Choice xmlns:p159="http://schemas.microsoft.com/office/powerpoint/2015/09/main" Requires="p159">
+  <mc:AlternateContent xmlns:mc="http://schemas.openxmlformats.org/markup-compatibility/2006" xmlns:p159="http://schemas.microsoft.com/office/powerpoint/2015/09/main">
+    <mc:Choice Requires="p159">
       <p:transition xmlns:p14="http://schemas.microsoft.com/office/powerpoint/2010/main" spd="slow" p14:dur="2000">
         <p159:morph option="byObject"/>
       </p:transition>
     </mc:Choice>
-    <mc:Fallback>
+    <mc:Fallback xmlns="">
       <p:transition spd="slow">
         <p:fade/>
       </p:transition>
